--- a/misc docs/Katalon Studio Web Automation Tool Presentation.pptx
+++ b/misc docs/Katalon Studio Web Automation Tool Presentation.pptx
@@ -131,6 +131,22 @@
       </a:defRPr>
     </a:lvl9pPr>
   </p:defaultTextStyle>
+  <p:extLst>
+    <p:ext uri="{EFAFB233-063F-42B5-8137-9DF3F51BA10A}">
+      <p15:sldGuideLst xmlns:p15="http://schemas.microsoft.com/office/powerpoint/2012/main">
+        <p15:guide id="1" orient="horz" pos="2160">
+          <p15:clr>
+            <a:srgbClr val="A4A3A4"/>
+          </p15:clr>
+        </p15:guide>
+        <p15:guide id="2" pos="2880">
+          <p15:clr>
+            <a:srgbClr val="A4A3A4"/>
+          </p15:clr>
+        </p15:guide>
+      </p15:sldGuideLst>
+    </p:ext>
+  </p:extLst>
 </p:presentation>
 </file>
 
@@ -172,10 +188,9 @@
           <a:lstStyle/>
           <a:p>
             <a:r>
-              <a:rPr lang="en-US" smtClean="0"/>
+              <a:rPr lang="en-US"/>
               <a:t>Click to edit Master title style</a:t>
             </a:r>
-            <a:endParaRPr lang="en-US"/>
           </a:p>
         </p:txBody>
       </p:sp>
@@ -291,10 +306,9 @@
           </a:lstStyle>
           <a:p>
             <a:r>
-              <a:rPr lang="en-US" smtClean="0"/>
+              <a:rPr lang="en-US"/>
               <a:t>Click to edit Master subtitle style</a:t>
             </a:r>
-            <a:endParaRPr lang="en-US"/>
           </a:p>
         </p:txBody>
       </p:sp>
@@ -315,7 +329,7 @@
           <a:p>
             <a:fld id="{E6576B31-DA5C-4EF9-AF50-748B63850070}" type="datetimeFigureOut">
               <a:rPr lang="en-US" smtClean="0"/>
-              <a:t>7/18/2019</a:t>
+              <a:t>2/13/2023</a:t>
             </a:fld>
             <a:endParaRPr lang="en-US"/>
           </a:p>
@@ -409,10 +423,9 @@
           <a:lstStyle/>
           <a:p>
             <a:r>
-              <a:rPr lang="en-US" smtClean="0"/>
+              <a:rPr lang="en-US"/>
               <a:t>Click to edit Master title style</a:t>
             </a:r>
-            <a:endParaRPr lang="en-US"/>
           </a:p>
         </p:txBody>
       </p:sp>
@@ -433,38 +446,37 @@
           <a:p>
             <a:pPr lvl="0"/>
             <a:r>
-              <a:rPr lang="en-US" smtClean="0"/>
+              <a:rPr lang="en-US"/>
               <a:t>Click to edit Master text styles</a:t>
             </a:r>
           </a:p>
           <a:p>
             <a:pPr lvl="1"/>
             <a:r>
-              <a:rPr lang="en-US" smtClean="0"/>
+              <a:rPr lang="en-US"/>
               <a:t>Second level</a:t>
             </a:r>
           </a:p>
           <a:p>
             <a:pPr lvl="2"/>
             <a:r>
-              <a:rPr lang="en-US" smtClean="0"/>
+              <a:rPr lang="en-US"/>
               <a:t>Third level</a:t>
             </a:r>
           </a:p>
           <a:p>
             <a:pPr lvl="3"/>
             <a:r>
-              <a:rPr lang="en-US" smtClean="0"/>
+              <a:rPr lang="en-US"/>
               <a:t>Fourth level</a:t>
             </a:r>
           </a:p>
           <a:p>
             <a:pPr lvl="4"/>
             <a:r>
-              <a:rPr lang="en-US" smtClean="0"/>
+              <a:rPr lang="en-US"/>
               <a:t>Fifth level</a:t>
             </a:r>
-            <a:endParaRPr lang="en-US"/>
           </a:p>
         </p:txBody>
       </p:sp>
@@ -485,7 +497,7 @@
           <a:p>
             <a:fld id="{E6576B31-DA5C-4EF9-AF50-748B63850070}" type="datetimeFigureOut">
               <a:rPr lang="en-US" smtClean="0"/>
-              <a:t>7/18/2019</a:t>
+              <a:t>2/13/2023</a:t>
             </a:fld>
             <a:endParaRPr lang="en-US"/>
           </a:p>
@@ -584,10 +596,9 @@
           <a:lstStyle/>
           <a:p>
             <a:r>
-              <a:rPr lang="en-US" smtClean="0"/>
+              <a:rPr lang="en-US"/>
               <a:t>Click to edit Master title style</a:t>
             </a:r>
-            <a:endParaRPr lang="en-US"/>
           </a:p>
         </p:txBody>
       </p:sp>
@@ -613,38 +624,37 @@
           <a:p>
             <a:pPr lvl="0"/>
             <a:r>
-              <a:rPr lang="en-US" smtClean="0"/>
+              <a:rPr lang="en-US"/>
               <a:t>Click to edit Master text styles</a:t>
             </a:r>
           </a:p>
           <a:p>
             <a:pPr lvl="1"/>
             <a:r>
-              <a:rPr lang="en-US" smtClean="0"/>
+              <a:rPr lang="en-US"/>
               <a:t>Second level</a:t>
             </a:r>
           </a:p>
           <a:p>
             <a:pPr lvl="2"/>
             <a:r>
-              <a:rPr lang="en-US" smtClean="0"/>
+              <a:rPr lang="en-US"/>
               <a:t>Third level</a:t>
             </a:r>
           </a:p>
           <a:p>
             <a:pPr lvl="3"/>
             <a:r>
-              <a:rPr lang="en-US" smtClean="0"/>
+              <a:rPr lang="en-US"/>
               <a:t>Fourth level</a:t>
             </a:r>
           </a:p>
           <a:p>
             <a:pPr lvl="4"/>
             <a:r>
-              <a:rPr lang="en-US" smtClean="0"/>
+              <a:rPr lang="en-US"/>
               <a:t>Fifth level</a:t>
             </a:r>
-            <a:endParaRPr lang="en-US"/>
           </a:p>
         </p:txBody>
       </p:sp>
@@ -665,7 +675,7 @@
           <a:p>
             <a:fld id="{E6576B31-DA5C-4EF9-AF50-748B63850070}" type="datetimeFigureOut">
               <a:rPr lang="en-US" smtClean="0"/>
-              <a:t>7/18/2019</a:t>
+              <a:t>2/13/2023</a:t>
             </a:fld>
             <a:endParaRPr lang="en-US"/>
           </a:p>
@@ -759,10 +769,9 @@
           <a:lstStyle/>
           <a:p>
             <a:r>
-              <a:rPr lang="en-US" smtClean="0"/>
+              <a:rPr lang="en-US"/>
               <a:t>Click to edit Master title style</a:t>
             </a:r>
-            <a:endParaRPr lang="en-US"/>
           </a:p>
         </p:txBody>
       </p:sp>
@@ -783,38 +792,37 @@
           <a:p>
             <a:pPr lvl="0"/>
             <a:r>
-              <a:rPr lang="en-US" smtClean="0"/>
+              <a:rPr lang="en-US"/>
               <a:t>Click to edit Master text styles</a:t>
             </a:r>
           </a:p>
           <a:p>
             <a:pPr lvl="1"/>
             <a:r>
-              <a:rPr lang="en-US" smtClean="0"/>
+              <a:rPr lang="en-US"/>
               <a:t>Second level</a:t>
             </a:r>
           </a:p>
           <a:p>
             <a:pPr lvl="2"/>
             <a:r>
-              <a:rPr lang="en-US" smtClean="0"/>
+              <a:rPr lang="en-US"/>
               <a:t>Third level</a:t>
             </a:r>
           </a:p>
           <a:p>
             <a:pPr lvl="3"/>
             <a:r>
-              <a:rPr lang="en-US" smtClean="0"/>
+              <a:rPr lang="en-US"/>
               <a:t>Fourth level</a:t>
             </a:r>
           </a:p>
           <a:p>
             <a:pPr lvl="4"/>
             <a:r>
-              <a:rPr lang="en-US" smtClean="0"/>
+              <a:rPr lang="en-US"/>
               <a:t>Fifth level</a:t>
             </a:r>
-            <a:endParaRPr lang="en-US"/>
           </a:p>
         </p:txBody>
       </p:sp>
@@ -835,7 +843,7 @@
           <a:p>
             <a:fld id="{E6576B31-DA5C-4EF9-AF50-748B63850070}" type="datetimeFigureOut">
               <a:rPr lang="en-US" smtClean="0"/>
-              <a:t>7/18/2019</a:t>
+              <a:t>2/13/2023</a:t>
             </a:fld>
             <a:endParaRPr lang="en-US"/>
           </a:p>
@@ -938,10 +946,9 @@
           </a:lstStyle>
           <a:p>
             <a:r>
-              <a:rPr lang="en-US" smtClean="0"/>
+              <a:rPr lang="en-US"/>
               <a:t>Click to edit Master title style</a:t>
             </a:r>
-            <a:endParaRPr lang="en-US"/>
           </a:p>
         </p:txBody>
       </p:sp>
@@ -1058,7 +1065,7 @@
           <a:p>
             <a:pPr lvl="0"/>
             <a:r>
-              <a:rPr lang="en-US" smtClean="0"/>
+              <a:rPr lang="en-US"/>
               <a:t>Click to edit Master text styles</a:t>
             </a:r>
           </a:p>
@@ -1081,7 +1088,7 @@
           <a:p>
             <a:fld id="{E6576B31-DA5C-4EF9-AF50-748B63850070}" type="datetimeFigureOut">
               <a:rPr lang="en-US" smtClean="0"/>
-              <a:t>7/18/2019</a:t>
+              <a:t>2/13/2023</a:t>
             </a:fld>
             <a:endParaRPr lang="en-US"/>
           </a:p>
@@ -1175,10 +1182,9 @@
           <a:lstStyle/>
           <a:p>
             <a:r>
-              <a:rPr lang="en-US" smtClean="0"/>
+              <a:rPr lang="en-US"/>
               <a:t>Click to edit Master title style</a:t>
             </a:r>
-            <a:endParaRPr lang="en-US"/>
           </a:p>
         </p:txBody>
       </p:sp>
@@ -1232,38 +1238,37 @@
           <a:p>
             <a:pPr lvl="0"/>
             <a:r>
-              <a:rPr lang="en-US" smtClean="0"/>
+              <a:rPr lang="en-US"/>
               <a:t>Click to edit Master text styles</a:t>
             </a:r>
           </a:p>
           <a:p>
             <a:pPr lvl="1"/>
             <a:r>
-              <a:rPr lang="en-US" smtClean="0"/>
+              <a:rPr lang="en-US"/>
               <a:t>Second level</a:t>
             </a:r>
           </a:p>
           <a:p>
             <a:pPr lvl="2"/>
             <a:r>
-              <a:rPr lang="en-US" smtClean="0"/>
+              <a:rPr lang="en-US"/>
               <a:t>Third level</a:t>
             </a:r>
           </a:p>
           <a:p>
             <a:pPr lvl="3"/>
             <a:r>
-              <a:rPr lang="en-US" smtClean="0"/>
+              <a:rPr lang="en-US"/>
               <a:t>Fourth level</a:t>
             </a:r>
           </a:p>
           <a:p>
             <a:pPr lvl="4"/>
             <a:r>
-              <a:rPr lang="en-US" smtClean="0"/>
+              <a:rPr lang="en-US"/>
               <a:t>Fifth level</a:t>
             </a:r>
-            <a:endParaRPr lang="en-US"/>
           </a:p>
         </p:txBody>
       </p:sp>
@@ -1317,38 +1322,37 @@
           <a:p>
             <a:pPr lvl="0"/>
             <a:r>
-              <a:rPr lang="en-US" smtClean="0"/>
+              <a:rPr lang="en-US"/>
               <a:t>Click to edit Master text styles</a:t>
             </a:r>
           </a:p>
           <a:p>
             <a:pPr lvl="1"/>
             <a:r>
-              <a:rPr lang="en-US" smtClean="0"/>
+              <a:rPr lang="en-US"/>
               <a:t>Second level</a:t>
             </a:r>
           </a:p>
           <a:p>
             <a:pPr lvl="2"/>
             <a:r>
-              <a:rPr lang="en-US" smtClean="0"/>
+              <a:rPr lang="en-US"/>
               <a:t>Third level</a:t>
             </a:r>
           </a:p>
           <a:p>
             <a:pPr lvl="3"/>
             <a:r>
-              <a:rPr lang="en-US" smtClean="0"/>
+              <a:rPr lang="en-US"/>
               <a:t>Fourth level</a:t>
             </a:r>
           </a:p>
           <a:p>
             <a:pPr lvl="4"/>
             <a:r>
-              <a:rPr lang="en-US" smtClean="0"/>
+              <a:rPr lang="en-US"/>
               <a:t>Fifth level</a:t>
             </a:r>
-            <a:endParaRPr lang="en-US"/>
           </a:p>
         </p:txBody>
       </p:sp>
@@ -1369,7 +1373,7 @@
           <a:p>
             <a:fld id="{E6576B31-DA5C-4EF9-AF50-748B63850070}" type="datetimeFigureOut">
               <a:rPr lang="en-US" smtClean="0"/>
-              <a:t>7/18/2019</a:t>
+              <a:t>2/13/2023</a:t>
             </a:fld>
             <a:endParaRPr lang="en-US"/>
           </a:p>
@@ -1467,10 +1471,9 @@
           </a:lstStyle>
           <a:p>
             <a:r>
-              <a:rPr lang="en-US" smtClean="0"/>
+              <a:rPr lang="en-US"/>
               <a:t>Click to edit Master title style</a:t>
             </a:r>
-            <a:endParaRPr lang="en-US"/>
           </a:p>
         </p:txBody>
       </p:sp>
@@ -1533,7 +1536,7 @@
           <a:p>
             <a:pPr lvl="0"/>
             <a:r>
-              <a:rPr lang="en-US" smtClean="0"/>
+              <a:rPr lang="en-US"/>
               <a:t>Click to edit Master text styles</a:t>
             </a:r>
           </a:p>
@@ -1589,38 +1592,37 @@
           <a:p>
             <a:pPr lvl="0"/>
             <a:r>
-              <a:rPr lang="en-US" smtClean="0"/>
+              <a:rPr lang="en-US"/>
               <a:t>Click to edit Master text styles</a:t>
             </a:r>
           </a:p>
           <a:p>
             <a:pPr lvl="1"/>
             <a:r>
-              <a:rPr lang="en-US" smtClean="0"/>
+              <a:rPr lang="en-US"/>
               <a:t>Second level</a:t>
             </a:r>
           </a:p>
           <a:p>
             <a:pPr lvl="2"/>
             <a:r>
-              <a:rPr lang="en-US" smtClean="0"/>
+              <a:rPr lang="en-US"/>
               <a:t>Third level</a:t>
             </a:r>
           </a:p>
           <a:p>
             <a:pPr lvl="3"/>
             <a:r>
-              <a:rPr lang="en-US" smtClean="0"/>
+              <a:rPr lang="en-US"/>
               <a:t>Fourth level</a:t>
             </a:r>
           </a:p>
           <a:p>
             <a:pPr lvl="4"/>
             <a:r>
-              <a:rPr lang="en-US" smtClean="0"/>
+              <a:rPr lang="en-US"/>
               <a:t>Fifth level</a:t>
             </a:r>
-            <a:endParaRPr lang="en-US"/>
           </a:p>
         </p:txBody>
       </p:sp>
@@ -1683,7 +1685,7 @@
           <a:p>
             <a:pPr lvl="0"/>
             <a:r>
-              <a:rPr lang="en-US" smtClean="0"/>
+              <a:rPr lang="en-US"/>
               <a:t>Click to edit Master text styles</a:t>
             </a:r>
           </a:p>
@@ -1739,38 +1741,37 @@
           <a:p>
             <a:pPr lvl="0"/>
             <a:r>
-              <a:rPr lang="en-US" smtClean="0"/>
+              <a:rPr lang="en-US"/>
               <a:t>Click to edit Master text styles</a:t>
             </a:r>
           </a:p>
           <a:p>
             <a:pPr lvl="1"/>
             <a:r>
-              <a:rPr lang="en-US" smtClean="0"/>
+              <a:rPr lang="en-US"/>
               <a:t>Second level</a:t>
             </a:r>
           </a:p>
           <a:p>
             <a:pPr lvl="2"/>
             <a:r>
-              <a:rPr lang="en-US" smtClean="0"/>
+              <a:rPr lang="en-US"/>
               <a:t>Third level</a:t>
             </a:r>
           </a:p>
           <a:p>
             <a:pPr lvl="3"/>
             <a:r>
-              <a:rPr lang="en-US" smtClean="0"/>
+              <a:rPr lang="en-US"/>
               <a:t>Fourth level</a:t>
             </a:r>
           </a:p>
           <a:p>
             <a:pPr lvl="4"/>
             <a:r>
-              <a:rPr lang="en-US" smtClean="0"/>
+              <a:rPr lang="en-US"/>
               <a:t>Fifth level</a:t>
             </a:r>
-            <a:endParaRPr lang="en-US"/>
           </a:p>
         </p:txBody>
       </p:sp>
@@ -1791,7 +1792,7 @@
           <a:p>
             <a:fld id="{E6576B31-DA5C-4EF9-AF50-748B63850070}" type="datetimeFigureOut">
               <a:rPr lang="en-US" smtClean="0"/>
-              <a:t>7/18/2019</a:t>
+              <a:t>2/13/2023</a:t>
             </a:fld>
             <a:endParaRPr lang="en-US"/>
           </a:p>
@@ -1885,10 +1886,9 @@
           <a:lstStyle/>
           <a:p>
             <a:r>
-              <a:rPr lang="en-US" smtClean="0"/>
+              <a:rPr lang="en-US"/>
               <a:t>Click to edit Master title style</a:t>
             </a:r>
-            <a:endParaRPr lang="en-US"/>
           </a:p>
         </p:txBody>
       </p:sp>
@@ -1909,7 +1909,7 @@
           <a:p>
             <a:fld id="{E6576B31-DA5C-4EF9-AF50-748B63850070}" type="datetimeFigureOut">
               <a:rPr lang="en-US" smtClean="0"/>
-              <a:t>7/18/2019</a:t>
+              <a:t>2/13/2023</a:t>
             </a:fld>
             <a:endParaRPr lang="en-US"/>
           </a:p>
@@ -2004,7 +2004,7 @@
           <a:p>
             <a:fld id="{E6576B31-DA5C-4EF9-AF50-748B63850070}" type="datetimeFigureOut">
               <a:rPr lang="en-US" smtClean="0"/>
-              <a:t>7/18/2019</a:t>
+              <a:t>2/13/2023</a:t>
             </a:fld>
             <a:endParaRPr lang="en-US"/>
           </a:p>
@@ -2107,10 +2107,9 @@
           </a:lstStyle>
           <a:p>
             <a:r>
-              <a:rPr lang="en-US" smtClean="0"/>
+              <a:rPr lang="en-US"/>
               <a:t>Click to edit Master title style</a:t>
             </a:r>
-            <a:endParaRPr lang="en-US"/>
           </a:p>
         </p:txBody>
       </p:sp>
@@ -2164,38 +2163,37 @@
           <a:p>
             <a:pPr lvl="0"/>
             <a:r>
-              <a:rPr lang="en-US" smtClean="0"/>
+              <a:rPr lang="en-US"/>
               <a:t>Click to edit Master text styles</a:t>
             </a:r>
           </a:p>
           <a:p>
             <a:pPr lvl="1"/>
             <a:r>
-              <a:rPr lang="en-US" smtClean="0"/>
+              <a:rPr lang="en-US"/>
               <a:t>Second level</a:t>
             </a:r>
           </a:p>
           <a:p>
             <a:pPr lvl="2"/>
             <a:r>
-              <a:rPr lang="en-US" smtClean="0"/>
+              <a:rPr lang="en-US"/>
               <a:t>Third level</a:t>
             </a:r>
           </a:p>
           <a:p>
             <a:pPr lvl="3"/>
             <a:r>
-              <a:rPr lang="en-US" smtClean="0"/>
+              <a:rPr lang="en-US"/>
               <a:t>Fourth level</a:t>
             </a:r>
           </a:p>
           <a:p>
             <a:pPr lvl="4"/>
             <a:r>
-              <a:rPr lang="en-US" smtClean="0"/>
+              <a:rPr lang="en-US"/>
               <a:t>Fifth level</a:t>
             </a:r>
-            <a:endParaRPr lang="en-US"/>
           </a:p>
         </p:txBody>
       </p:sp>
@@ -2258,7 +2256,7 @@
           <a:p>
             <a:pPr lvl="0"/>
             <a:r>
-              <a:rPr lang="en-US" smtClean="0"/>
+              <a:rPr lang="en-US"/>
               <a:t>Click to edit Master text styles</a:t>
             </a:r>
           </a:p>
@@ -2281,7 +2279,7 @@
           <a:p>
             <a:fld id="{E6576B31-DA5C-4EF9-AF50-748B63850070}" type="datetimeFigureOut">
               <a:rPr lang="en-US" smtClean="0"/>
-              <a:t>7/18/2019</a:t>
+              <a:t>2/13/2023</a:t>
             </a:fld>
             <a:endParaRPr lang="en-US"/>
           </a:p>
@@ -2384,10 +2382,9 @@
           </a:lstStyle>
           <a:p>
             <a:r>
-              <a:rPr lang="en-US" smtClean="0"/>
+              <a:rPr lang="en-US"/>
               <a:t>Click to edit Master title style</a:t>
             </a:r>
-            <a:endParaRPr lang="en-US"/>
           </a:p>
         </p:txBody>
       </p:sp>
@@ -2511,7 +2508,7 @@
           <a:p>
             <a:pPr lvl="0"/>
             <a:r>
-              <a:rPr lang="en-US" smtClean="0"/>
+              <a:rPr lang="en-US"/>
               <a:t>Click to edit Master text styles</a:t>
             </a:r>
           </a:p>
@@ -2534,7 +2531,7 @@
           <a:p>
             <a:fld id="{E6576B31-DA5C-4EF9-AF50-748B63850070}" type="datetimeFigureOut">
               <a:rPr lang="en-US" smtClean="0"/>
-              <a:t>7/18/2019</a:t>
+              <a:t>2/13/2023</a:t>
             </a:fld>
             <a:endParaRPr lang="en-US"/>
           </a:p>
@@ -2643,10 +2640,9 @@
           <a:lstStyle/>
           <a:p>
             <a:r>
-              <a:rPr lang="en-US" smtClean="0"/>
+              <a:rPr lang="en-US"/>
               <a:t>Click to edit Master title style</a:t>
             </a:r>
-            <a:endParaRPr lang="en-US"/>
           </a:p>
         </p:txBody>
       </p:sp>
@@ -2677,38 +2673,37 @@
           <a:p>
             <a:pPr lvl="0"/>
             <a:r>
-              <a:rPr lang="en-US" smtClean="0"/>
+              <a:rPr lang="en-US"/>
               <a:t>Click to edit Master text styles</a:t>
             </a:r>
           </a:p>
           <a:p>
             <a:pPr lvl="1"/>
             <a:r>
-              <a:rPr lang="en-US" smtClean="0"/>
+              <a:rPr lang="en-US"/>
               <a:t>Second level</a:t>
             </a:r>
           </a:p>
           <a:p>
             <a:pPr lvl="2"/>
             <a:r>
-              <a:rPr lang="en-US" smtClean="0"/>
+              <a:rPr lang="en-US"/>
               <a:t>Third level</a:t>
             </a:r>
           </a:p>
           <a:p>
             <a:pPr lvl="3"/>
             <a:r>
-              <a:rPr lang="en-US" smtClean="0"/>
+              <a:rPr lang="en-US"/>
               <a:t>Fourth level</a:t>
             </a:r>
           </a:p>
           <a:p>
             <a:pPr lvl="4"/>
             <a:r>
-              <a:rPr lang="en-US" smtClean="0"/>
+              <a:rPr lang="en-US"/>
               <a:t>Fifth level</a:t>
             </a:r>
-            <a:endParaRPr lang="en-US"/>
           </a:p>
         </p:txBody>
       </p:sp>
@@ -2747,7 +2742,7 @@
           <a:p>
             <a:fld id="{E6576B31-DA5C-4EF9-AF50-748B63850070}" type="datetimeFigureOut">
               <a:rPr lang="en-US" smtClean="0"/>
-              <a:t>7/18/2019</a:t>
+              <a:t>2/13/2023</a:t>
             </a:fld>
             <a:endParaRPr lang="en-US"/>
           </a:p>
@@ -3173,13 +3168,6 @@
   <p:clrMapOvr>
     <a:masterClrMapping/>
   </p:clrMapOvr>
-  <p:timing>
-    <p:tnLst>
-      <p:par>
-        <p:cTn id="1" dur="indefinite" restart="never" nodeType="tmRoot"/>
-      </p:par>
-    </p:tnLst>
-  </p:timing>
 </p:sld>
 </file>
 
@@ -3264,13 +3252,6 @@
   <p:clrMapOvr>
     <a:masterClrMapping/>
   </p:clrMapOvr>
-  <p:timing>
-    <p:tnLst>
-      <p:par>
-        <p:cTn id="1" dur="indefinite" restart="never" nodeType="tmRoot"/>
-      </p:par>
-    </p:tnLst>
-  </p:timing>
 </p:sld>
 </file>
 
@@ -3293,56 +3274,32 @@
       </p:grpSpPr>
       <p:pic>
         <p:nvPicPr>
-          <p:cNvPr id="3074" name="Picture 2"/>
+          <p:cNvPr id="5" name="Picture 4">
+            <a:extLst>
+              <a:ext uri="{FF2B5EF4-FFF2-40B4-BE49-F238E27FC236}">
+                <a16:creationId xmlns:a16="http://schemas.microsoft.com/office/drawing/2014/main" id="{DA6CA49F-060B-CD48-3CC0-6F03EF06E455}"/>
+              </a:ext>
+            </a:extLst>
+          </p:cNvPr>
           <p:cNvPicPr>
-            <a:picLocks noChangeAspect="1" noChangeArrowheads="1"/>
+            <a:picLocks noChangeAspect="1"/>
           </p:cNvPicPr>
           <p:nvPr/>
         </p:nvPicPr>
         <p:blipFill>
-          <a:blip r:embed="rId2">
-            <a:extLst>
-              <a:ext uri="{28A0092B-C50C-407E-A947-70E740481C1C}">
-                <a14:useLocalDpi xmlns:a14="http://schemas.microsoft.com/office/drawing/2010/main" val="0"/>
-              </a:ext>
-            </a:extLst>
-          </a:blip>
-          <a:srcRect/>
+          <a:blip r:embed="rId2"/>
           <a:stretch>
             <a:fillRect/>
           </a:stretch>
         </p:blipFill>
-        <p:spPr bwMode="auto">
-          <a:xfrm>
-            <a:off x="96539" y="838200"/>
-            <a:ext cx="8971261" cy="5410200"/>
+        <p:spPr>
+          <a:xfrm>
+            <a:off x="95250" y="1581150"/>
+            <a:ext cx="8953500" cy="3695700"/>
           </a:xfrm>
           <a:prstGeom prst="rect">
             <a:avLst/>
           </a:prstGeom>
-          <a:noFill/>
-          <a:ln>
-            <a:noFill/>
-          </a:ln>
-          <a:extLst>
-            <a:ext uri="{909E8E84-426E-40DD-AFC4-6F175D3DCCD1}">
-              <a14:hiddenFill xmlns:a14="http://schemas.microsoft.com/office/drawing/2010/main">
-                <a:solidFill>
-                  <a:schemeClr val="accent1"/>
-                </a:solidFill>
-              </a14:hiddenFill>
-            </a:ext>
-            <a:ext uri="{91240B29-F687-4F45-9708-019B960494DF}">
-              <a14:hiddenLine xmlns:a14="http://schemas.microsoft.com/office/drawing/2010/main" w="9525">
-                <a:solidFill>
-                  <a:schemeClr val="tx1"/>
-                </a:solidFill>
-                <a:miter lim="800000"/>
-                <a:headEnd/>
-                <a:tailEnd/>
-              </a14:hiddenLine>
-            </a:ext>
-          </a:extLst>
         </p:spPr>
       </p:pic>
     </p:spTree>
@@ -3355,13 +3312,6 @@
   <p:clrMapOvr>
     <a:masterClrMapping/>
   </p:clrMapOvr>
-  <p:timing>
-    <p:tnLst>
-      <p:par>
-        <p:cTn id="1" dur="indefinite" restart="never" nodeType="tmRoot"/>
-      </p:par>
-    </p:tnLst>
-  </p:timing>
 </p:sld>
 </file>
 
@@ -3500,13 +3450,6 @@
   <p:clrMapOvr>
     <a:masterClrMapping/>
   </p:clrMapOvr>
-  <p:timing>
-    <p:tnLst>
-      <p:par>
-        <p:cTn id="1" dur="indefinite" restart="never" nodeType="tmRoot"/>
-      </p:par>
-    </p:tnLst>
-  </p:timing>
 </p:sld>
 </file>
 
@@ -3645,13 +3588,6 @@
   <p:clrMapOvr>
     <a:masterClrMapping/>
   </p:clrMapOvr>
-  <p:timing>
-    <p:tnLst>
-      <p:par>
-        <p:cTn id="1" dur="indefinite" restart="never" nodeType="tmRoot"/>
-      </p:par>
-    </p:tnLst>
-  </p:timing>
 </p:sld>
 </file>
 
@@ -3736,13 +3672,6 @@
   <p:clrMapOvr>
     <a:masterClrMapping/>
   </p:clrMapOvr>
-  <p:timing>
-    <p:tnLst>
-      <p:par>
-        <p:cTn id="1" dur="indefinite" restart="never" nodeType="tmRoot"/>
-      </p:par>
-    </p:tnLst>
-  </p:timing>
 </p:sld>
 </file>
 
@@ -3935,13 +3864,6 @@
   <p:clrMapOvr>
     <a:masterClrMapping/>
   </p:clrMapOvr>
-  <p:timing>
-    <p:tnLst>
-      <p:par>
-        <p:cTn id="1" dur="indefinite" restart="never" nodeType="tmRoot"/>
-      </p:par>
-    </p:tnLst>
-  </p:timing>
 </p:sld>
 </file>
 
@@ -4026,13 +3948,6 @@
   <p:clrMapOvr>
     <a:masterClrMapping/>
   </p:clrMapOvr>
-  <p:timing>
-    <p:tnLst>
-      <p:par>
-        <p:cTn id="1" dur="indefinite" restart="never" nodeType="tmRoot"/>
-      </p:par>
-    </p:tnLst>
-  </p:timing>
 </p:sld>
 </file>
 
@@ -4117,13 +4032,6 @@
   <p:clrMapOvr>
     <a:masterClrMapping/>
   </p:clrMapOvr>
-  <p:timing>
-    <p:tnLst>
-      <p:par>
-        <p:cTn id="1" dur="indefinite" restart="never" nodeType="tmRoot"/>
-      </p:par>
-    </p:tnLst>
-  </p:timing>
 </p:sld>
 </file>
 
@@ -4553,7 +4461,7 @@
           <a:p>
             <a:pPr algn="ctr"/>
             <a:r>
-              <a:rPr lang="en-US" sz="2000" b="1" cap="all" spc="0" dirty="0" smtClean="0">
+              <a:rPr lang="en-US" sz="2000" b="1" cap="all" spc="0" dirty="0">
                 <a:ln w="0"/>
                 <a:gradFill flip="none">
                   <a:gsLst>
@@ -4598,49 +4506,6 @@
               </a:rPr>
               <a:t>VS</a:t>
             </a:r>
-            <a:endParaRPr lang="en-US" sz="2000" b="1" cap="all" spc="0" dirty="0">
-              <a:ln w="0"/>
-              <a:gradFill flip="none">
-                <a:gsLst>
-                  <a:gs pos="0">
-                    <a:schemeClr val="accent1">
-                      <a:tint val="75000"/>
-                      <a:shade val="75000"/>
-                      <a:satMod val="170000"/>
-                    </a:schemeClr>
-                  </a:gs>
-                  <a:gs pos="49000">
-                    <a:schemeClr val="accent1">
-                      <a:tint val="88000"/>
-                      <a:shade val="65000"/>
-                      <a:satMod val="172000"/>
-                    </a:schemeClr>
-                  </a:gs>
-                  <a:gs pos="50000">
-                    <a:schemeClr val="accent1">
-                      <a:shade val="65000"/>
-                      <a:satMod val="130000"/>
-                    </a:schemeClr>
-                  </a:gs>
-                  <a:gs pos="92000">
-                    <a:schemeClr val="accent1">
-                      <a:shade val="50000"/>
-                      <a:satMod val="120000"/>
-                    </a:schemeClr>
-                  </a:gs>
-                  <a:gs pos="100000">
-                    <a:schemeClr val="accent1">
-                      <a:shade val="48000"/>
-                      <a:satMod val="120000"/>
-                    </a:schemeClr>
-                  </a:gs>
-                </a:gsLst>
-                <a:lin ang="5400000"/>
-              </a:gradFill>
-              <a:effectLst>
-                <a:reflection blurRad="12700" stA="50000" endPos="50000" dist="5000" dir="5400000" sy="-100000" rotWithShape="0"/>
-              </a:effectLst>
-            </a:endParaRPr>
           </a:p>
         </p:txBody>
       </p:sp>
@@ -4668,7 +4533,7 @@
           <a:p>
             <a:pPr algn="ctr"/>
             <a:r>
-              <a:rPr lang="en-US" sz="2000" b="1" cap="all" dirty="0" smtClean="0">
+              <a:rPr lang="en-US" sz="2000" b="1" cap="all" dirty="0">
                 <a:ln w="9000" cmpd="sng">
                   <a:solidFill>
                     <a:schemeClr val="accent4">
@@ -4712,48 +4577,6 @@
               </a:rPr>
               <a:t>Other Tools / Frameworks</a:t>
             </a:r>
-            <a:endParaRPr lang="en-US" sz="2000" b="1" cap="all" dirty="0">
-              <a:ln w="9000" cmpd="sng">
-                <a:solidFill>
-                  <a:schemeClr val="accent4">
-                    <a:shade val="50000"/>
-                    <a:satMod val="120000"/>
-                  </a:schemeClr>
-                </a:solidFill>
-                <a:prstDash val="solid"/>
-              </a:ln>
-              <a:gradFill>
-                <a:gsLst>
-                  <a:gs pos="0">
-                    <a:schemeClr val="accent4">
-                      <a:shade val="20000"/>
-                      <a:satMod val="245000"/>
-                    </a:schemeClr>
-                  </a:gs>
-                  <a:gs pos="43000">
-                    <a:schemeClr val="accent4">
-                      <a:satMod val="255000"/>
-                    </a:schemeClr>
-                  </a:gs>
-                  <a:gs pos="48000">
-                    <a:schemeClr val="accent4">
-                      <a:shade val="85000"/>
-                      <a:satMod val="255000"/>
-                    </a:schemeClr>
-                  </a:gs>
-                  <a:gs pos="100000">
-                    <a:schemeClr val="accent4">
-                      <a:shade val="20000"/>
-                      <a:satMod val="245000"/>
-                    </a:schemeClr>
-                  </a:gs>
-                </a:gsLst>
-                <a:lin ang="5400000"/>
-              </a:gradFill>
-              <a:effectLst>
-                <a:reflection blurRad="12700" stA="28000" endPos="45000" dist="1000" dir="5400000" sy="-100000" algn="bl" rotWithShape="0"/>
-              </a:effectLst>
-            </a:endParaRPr>
           </a:p>
         </p:txBody>
       </p:sp>
@@ -4797,7 +4620,7 @@
           <a:p>
             <a:pPr algn="ctr"/>
             <a:r>
-              <a:rPr lang="en-US" sz="2000" b="1" cap="all" dirty="0" smtClean="0">
+              <a:rPr lang="en-US" sz="2000" b="1" cap="all" dirty="0">
                 <a:ln w="0"/>
                 <a:gradFill flip="none">
                   <a:gsLst>
@@ -5128,7 +4951,7 @@
           <a:p>
             <a:pPr algn="ctr"/>
             <a:r>
-              <a:rPr lang="en-US" b="1" cap="all" dirty="0" smtClean="0">
+              <a:rPr lang="en-US" b="1" cap="all" dirty="0">
                 <a:ln w="9000" cmpd="sng">
                   <a:solidFill>
                     <a:schemeClr val="accent4">
@@ -5173,49 +4996,6 @@
               </a:rPr>
               <a:t>Environments</a:t>
             </a:r>
-            <a:endParaRPr lang="en-US" b="1" cap="all" dirty="0">
-              <a:ln w="9000" cmpd="sng">
-                <a:solidFill>
-                  <a:schemeClr val="accent4">
-                    <a:shade val="50000"/>
-                    <a:satMod val="120000"/>
-                  </a:schemeClr>
-                </a:solidFill>
-                <a:prstDash val="solid"/>
-              </a:ln>
-              <a:gradFill>
-                <a:gsLst>
-                  <a:gs pos="0">
-                    <a:schemeClr val="accent4">
-                      <a:shade val="20000"/>
-                      <a:satMod val="245000"/>
-                    </a:schemeClr>
-                  </a:gs>
-                  <a:gs pos="43000">
-                    <a:schemeClr val="accent4">
-                      <a:satMod val="255000"/>
-                    </a:schemeClr>
-                  </a:gs>
-                  <a:gs pos="48000">
-                    <a:schemeClr val="accent4">
-                      <a:shade val="85000"/>
-                      <a:satMod val="255000"/>
-                    </a:schemeClr>
-                  </a:gs>
-                  <a:gs pos="100000">
-                    <a:schemeClr val="accent4">
-                      <a:shade val="20000"/>
-                      <a:satMod val="245000"/>
-                    </a:schemeClr>
-                  </a:gs>
-                </a:gsLst>
-                <a:lin ang="5400000"/>
-              </a:gradFill>
-              <a:effectLst>
-                <a:reflection blurRad="12700" stA="28000" endPos="45000" dist="1000" dir="5400000" sy="-100000" algn="bl" rotWithShape="0"/>
-              </a:effectLst>
-              <a:latin typeface="Comic Sans MS" panose="030F0702030302020204" pitchFamily="66" charset="0"/>
-            </a:endParaRPr>
           </a:p>
         </p:txBody>
       </p:sp>
@@ -5243,7 +5023,7 @@
           <a:p>
             <a:pPr algn="ctr"/>
             <a:r>
-              <a:rPr lang="en-US" b="1" cap="all" dirty="0" smtClean="0">
+              <a:rPr lang="en-US" b="1" cap="all" dirty="0">
                 <a:ln w="9000" cmpd="sng">
                   <a:solidFill>
                     <a:schemeClr val="accent4">
@@ -5288,49 +5068,6 @@
               </a:rPr>
               <a:t>Supports</a:t>
             </a:r>
-            <a:endParaRPr lang="en-US" b="1" cap="all" dirty="0">
-              <a:ln w="9000" cmpd="sng">
-                <a:solidFill>
-                  <a:schemeClr val="accent4">
-                    <a:shade val="50000"/>
-                    <a:satMod val="120000"/>
-                  </a:schemeClr>
-                </a:solidFill>
-                <a:prstDash val="solid"/>
-              </a:ln>
-              <a:gradFill>
-                <a:gsLst>
-                  <a:gs pos="0">
-                    <a:schemeClr val="accent4">
-                      <a:shade val="20000"/>
-                      <a:satMod val="245000"/>
-                    </a:schemeClr>
-                  </a:gs>
-                  <a:gs pos="43000">
-                    <a:schemeClr val="accent4">
-                      <a:satMod val="255000"/>
-                    </a:schemeClr>
-                  </a:gs>
-                  <a:gs pos="48000">
-                    <a:schemeClr val="accent4">
-                      <a:shade val="85000"/>
-                      <a:satMod val="255000"/>
-                    </a:schemeClr>
-                  </a:gs>
-                  <a:gs pos="100000">
-                    <a:schemeClr val="accent4">
-                      <a:shade val="20000"/>
-                      <a:satMod val="245000"/>
-                    </a:schemeClr>
-                  </a:gs>
-                </a:gsLst>
-                <a:lin ang="5400000"/>
-              </a:gradFill>
-              <a:effectLst>
-                <a:reflection blurRad="12700" stA="28000" endPos="45000" dist="1000" dir="5400000" sy="-100000" algn="bl" rotWithShape="0"/>
-              </a:effectLst>
-              <a:latin typeface="Comic Sans MS" panose="030F0702030302020204" pitchFamily="66" charset="0"/>
-            </a:endParaRPr>
           </a:p>
         </p:txBody>
       </p:sp>
@@ -5344,13 +5081,6 @@
   <p:clrMapOvr>
     <a:masterClrMapping/>
   </p:clrMapOvr>
-  <p:timing>
-    <p:tnLst>
-      <p:par>
-        <p:cTn id="1" dur="indefinite" restart="never" nodeType="tmRoot"/>
-      </p:par>
-    </p:tnLst>
-  </p:timing>
 </p:sld>
 </file>
 
@@ -6732,13 +6462,6 @@
   <p:clrMapOvr>
     <a:masterClrMapping/>
   </p:clrMapOvr>
-  <p:timing>
-    <p:tnLst>
-      <p:par>
-        <p:cTn id="1" dur="indefinite" restart="never" nodeType="tmRoot"/>
-      </p:par>
-    </p:tnLst>
-  </p:timing>
 </p:sld>
 </file>
 
@@ -6961,13 +6684,6 @@
   <p:clrMapOvr>
     <a:masterClrMapping/>
   </p:clrMapOvr>
-  <p:timing>
-    <p:tnLst>
-      <p:par>
-        <p:cTn id="1" dur="indefinite" restart="never" nodeType="tmRoot"/>
-      </p:par>
-    </p:tnLst>
-  </p:timing>
 </p:sld>
 </file>
 
@@ -7120,7 +6836,7 @@
           <a:p>
             <a:pPr algn="ctr"/>
             <a:r>
-              <a:rPr lang="en-US" b="1" cap="all" dirty="0" smtClean="0">
+              <a:rPr lang="en-US" b="1" cap="all" dirty="0">
                 <a:ln w="9000" cmpd="sng">
                   <a:solidFill>
                     <a:schemeClr val="accent4">
@@ -7165,49 +6881,6 @@
               </a:rPr>
               <a:t>Environments</a:t>
             </a:r>
-            <a:endParaRPr lang="en-US" b="1" cap="all" dirty="0">
-              <a:ln w="9000" cmpd="sng">
-                <a:solidFill>
-                  <a:schemeClr val="accent4">
-                    <a:shade val="50000"/>
-                    <a:satMod val="120000"/>
-                  </a:schemeClr>
-                </a:solidFill>
-                <a:prstDash val="solid"/>
-              </a:ln>
-              <a:gradFill>
-                <a:gsLst>
-                  <a:gs pos="0">
-                    <a:schemeClr val="accent4">
-                      <a:shade val="20000"/>
-                      <a:satMod val="245000"/>
-                    </a:schemeClr>
-                  </a:gs>
-                  <a:gs pos="43000">
-                    <a:schemeClr val="accent4">
-                      <a:satMod val="255000"/>
-                    </a:schemeClr>
-                  </a:gs>
-                  <a:gs pos="48000">
-                    <a:schemeClr val="accent4">
-                      <a:shade val="85000"/>
-                      <a:satMod val="255000"/>
-                    </a:schemeClr>
-                  </a:gs>
-                  <a:gs pos="100000">
-                    <a:schemeClr val="accent4">
-                      <a:shade val="20000"/>
-                      <a:satMod val="245000"/>
-                    </a:schemeClr>
-                  </a:gs>
-                </a:gsLst>
-                <a:lin ang="5400000"/>
-              </a:gradFill>
-              <a:effectLst>
-                <a:reflection blurRad="12700" stA="28000" endPos="45000" dist="1000" dir="5400000" sy="-100000" algn="bl" rotWithShape="0"/>
-              </a:effectLst>
-              <a:latin typeface="Comic Sans MS" panose="030F0702030302020204" pitchFamily="66" charset="0"/>
-            </a:endParaRPr>
           </a:p>
         </p:txBody>
       </p:sp>
@@ -7235,7 +6908,7 @@
           <a:p>
             <a:pPr algn="ctr"/>
             <a:r>
-              <a:rPr lang="en-US" b="1" cap="all" dirty="0" smtClean="0">
+              <a:rPr lang="en-US" b="1" cap="all" dirty="0">
                 <a:ln w="9000" cmpd="sng">
                   <a:solidFill>
                     <a:schemeClr val="accent4">
@@ -7280,49 +6953,6 @@
               </a:rPr>
               <a:t>Supports</a:t>
             </a:r>
-            <a:endParaRPr lang="en-US" b="1" cap="all" dirty="0">
-              <a:ln w="9000" cmpd="sng">
-                <a:solidFill>
-                  <a:schemeClr val="accent4">
-                    <a:shade val="50000"/>
-                    <a:satMod val="120000"/>
-                  </a:schemeClr>
-                </a:solidFill>
-                <a:prstDash val="solid"/>
-              </a:ln>
-              <a:gradFill>
-                <a:gsLst>
-                  <a:gs pos="0">
-                    <a:schemeClr val="accent4">
-                      <a:shade val="20000"/>
-                      <a:satMod val="245000"/>
-                    </a:schemeClr>
-                  </a:gs>
-                  <a:gs pos="43000">
-                    <a:schemeClr val="accent4">
-                      <a:satMod val="255000"/>
-                    </a:schemeClr>
-                  </a:gs>
-                  <a:gs pos="48000">
-                    <a:schemeClr val="accent4">
-                      <a:shade val="85000"/>
-                      <a:satMod val="255000"/>
-                    </a:schemeClr>
-                  </a:gs>
-                  <a:gs pos="100000">
-                    <a:schemeClr val="accent4">
-                      <a:shade val="20000"/>
-                      <a:satMod val="245000"/>
-                    </a:schemeClr>
-                  </a:gs>
-                </a:gsLst>
-                <a:lin ang="5400000"/>
-              </a:gradFill>
-              <a:effectLst>
-                <a:reflection blurRad="12700" stA="28000" endPos="45000" dist="1000" dir="5400000" sy="-100000" algn="bl" rotWithShape="0"/>
-              </a:effectLst>
-              <a:latin typeface="Comic Sans MS" panose="030F0702030302020204" pitchFamily="66" charset="0"/>
-            </a:endParaRPr>
           </a:p>
         </p:txBody>
       </p:sp>
@@ -7390,13 +7020,6 @@
   <p:clrMapOvr>
     <a:masterClrMapping/>
   </p:clrMapOvr>
-  <p:timing>
-    <p:tnLst>
-      <p:par>
-        <p:cTn id="1" dur="indefinite" restart="never" nodeType="tmRoot"/>
-      </p:par>
-    </p:tnLst>
-  </p:timing>
 </p:sld>
 </file>
 
@@ -7641,10 +7264,9 @@
           <a:lstStyle/>
           <a:p>
             <a:r>
-              <a:rPr lang="en-US" b="1" dirty="0" smtClean="0"/>
+              <a:rPr lang="en-US" b="1" dirty="0"/>
               <a:t>Email Notification</a:t>
             </a:r>
-            <a:endParaRPr lang="en-US" b="1" dirty="0"/>
           </a:p>
         </p:txBody>
       </p:sp>
@@ -7712,13 +7334,6 @@
   <p:clrMapOvr>
     <a:masterClrMapping/>
   </p:clrMapOvr>
-  <p:timing>
-    <p:tnLst>
-      <p:par>
-        <p:cTn id="1" dur="indefinite" restart="never" nodeType="tmRoot"/>
-      </p:par>
-    </p:tnLst>
-  </p:timing>
 </p:sld>
 </file>
 
@@ -7963,10 +7578,9 @@
           <a:lstStyle/>
           <a:p>
             <a:r>
-              <a:rPr lang="en-US" b="1" dirty="0" smtClean="0"/>
+              <a:rPr lang="en-US" b="1" dirty="0"/>
               <a:t>Test Case Reports &amp; various formats</a:t>
             </a:r>
-            <a:endParaRPr lang="en-US" b="1" dirty="0"/>
           </a:p>
         </p:txBody>
       </p:sp>
@@ -8047,18 +7661,13 @@
           <a:lstStyle/>
           <a:p>
             <a:r>
-              <a:rPr lang="en-US" b="1" dirty="0" smtClean="0">
+              <a:rPr lang="en-US" b="1" dirty="0">
                 <a:solidFill>
                   <a:srgbClr val="002060"/>
                 </a:solidFill>
               </a:rPr>
               <a:t>HTML Report</a:t>
             </a:r>
-            <a:endParaRPr lang="en-US" b="1" dirty="0">
-              <a:solidFill>
-                <a:srgbClr val="002060"/>
-              </a:solidFill>
-            </a:endParaRPr>
           </a:p>
         </p:txBody>
       </p:sp>
@@ -8085,18 +7694,13 @@
           <a:lstStyle/>
           <a:p>
             <a:r>
-              <a:rPr lang="en-US" b="1" dirty="0" smtClean="0">
+              <a:rPr lang="en-US" b="1" dirty="0">
                 <a:solidFill>
                   <a:srgbClr val="002060"/>
                 </a:solidFill>
               </a:rPr>
               <a:t>Report Formats</a:t>
             </a:r>
-            <a:endParaRPr lang="en-US" b="1" dirty="0">
-              <a:solidFill>
-                <a:srgbClr val="002060"/>
-              </a:solidFill>
-            </a:endParaRPr>
           </a:p>
         </p:txBody>
       </p:sp>
@@ -8123,18 +7727,13 @@
           <a:lstStyle/>
           <a:p>
             <a:r>
-              <a:rPr lang="en-US" b="1" dirty="0" smtClean="0">
+              <a:rPr lang="en-US" b="1" dirty="0">
                 <a:solidFill>
                   <a:srgbClr val="002060"/>
                 </a:solidFill>
               </a:rPr>
               <a:t>Excel Report</a:t>
             </a:r>
-            <a:endParaRPr lang="en-US" b="1" dirty="0">
-              <a:solidFill>
-                <a:srgbClr val="002060"/>
-              </a:solidFill>
-            </a:endParaRPr>
           </a:p>
         </p:txBody>
       </p:sp>
@@ -8148,13 +7747,6 @@
   <p:clrMapOvr>
     <a:masterClrMapping/>
   </p:clrMapOvr>
-  <p:timing>
-    <p:tnLst>
-      <p:par>
-        <p:cTn id="1" dur="indefinite" restart="never" nodeType="tmRoot"/>
-      </p:par>
-    </p:tnLst>
-  </p:timing>
 </p:sld>
 </file>
 
@@ -8291,10 +7883,9 @@
           <a:lstStyle/>
           <a:p>
             <a:r>
-              <a:rPr lang="en-US" b="1" dirty="0" smtClean="0"/>
+              <a:rPr lang="en-US" b="1" dirty="0"/>
               <a:t>Snap shot option for Failure Test Cases</a:t>
             </a:r>
-            <a:endParaRPr lang="en-US" b="1" dirty="0"/>
           </a:p>
         </p:txBody>
       </p:sp>
@@ -8362,13 +7953,6 @@
   <p:clrMapOvr>
     <a:masterClrMapping/>
   </p:clrMapOvr>
-  <p:timing>
-    <p:tnLst>
-      <p:par>
-        <p:cTn id="1" dur="indefinite" restart="never" nodeType="tmRoot"/>
-      </p:par>
-    </p:tnLst>
-  </p:timing>
 </p:sld>
 </file>
 
